--- a/Presentation/Group2 _Project2.pptx
+++ b/Presentation/Group2 _Project2.pptx
@@ -25339,80 +25339,6 @@
   <p:transition spd="slow">
     <p:wipe/>
   </p:transition>
-  <p:timing>
-    <p:tnLst>
-      <p:par>
-        <p:cTn id="1" dur="indefinite" restart="never" nodeType="tmRoot">
-          <p:childTnLst>
-            <p:seq concurrent="1" nextAc="seek">
-              <p:cTn id="2" dur="indefinite" nodeType="mainSeq">
-                <p:childTnLst>
-                  <p:par>
-                    <p:cTn id="3" fill="hold">
-                      <p:stCondLst>
-                        <p:cond delay="indefinite"/>
-                      </p:stCondLst>
-                      <p:childTnLst>
-                        <p:par>
-                          <p:cTn id="4" fill="hold">
-                            <p:stCondLst>
-                              <p:cond delay="0"/>
-                            </p:stCondLst>
-                            <p:childTnLst>
-                              <p:par>
-                                <p:cTn id="5" presetID="26" presetClass="emph" presetSubtype="0" fill="hold" nodeType="clickEffect">
-                                  <p:stCondLst>
-                                    <p:cond delay="0"/>
-                                  </p:stCondLst>
-                                  <p:childTnLst>
-                                    <p:animEffect transition="out" filter="fade">
-                                      <p:cBhvr>
-                                        <p:cTn id="6" dur="500" tmFilter="0, 0; .2, .5; .8, .5; 1, 0"/>
-                                        <p:tgtEl>
-                                          <p:spTgt spid="208"/>
-                                        </p:tgtEl>
-                                      </p:cBhvr>
-                                    </p:animEffect>
-                                    <p:animScale>
-                                      <p:cBhvr>
-                                        <p:cTn id="7" dur="250" autoRev="1" fill="hold"/>
-                                        <p:tgtEl>
-                                          <p:spTgt spid="208"/>
-                                        </p:tgtEl>
-                                      </p:cBhvr>
-                                      <p:by x="105000" y="105000"/>
-                                    </p:animScale>
-                                  </p:childTnLst>
-                                </p:cTn>
-                              </p:par>
-                            </p:childTnLst>
-                          </p:cTn>
-                        </p:par>
-                      </p:childTnLst>
-                    </p:cTn>
-                  </p:par>
-                </p:childTnLst>
-              </p:cTn>
-              <p:prevCondLst>
-                <p:cond evt="onPrev" delay="0">
-                  <p:tgtEl>
-                    <p:sldTgt/>
-                  </p:tgtEl>
-                </p:cond>
-              </p:prevCondLst>
-              <p:nextCondLst>
-                <p:cond evt="onNext" delay="0">
-                  <p:tgtEl>
-                    <p:sldTgt/>
-                  </p:tgtEl>
-                </p:cond>
-              </p:nextCondLst>
-            </p:seq>
-          </p:childTnLst>
-        </p:cTn>
-      </p:par>
-    </p:tnLst>
-  </p:timing>
 </p:sld>
 </file>
 

--- a/Presentation/Group2 _Project2.pptx
+++ b/Presentation/Group2 _Project2.pptx
@@ -26371,8 +26371,38 @@
         </p:blipFill>
         <p:spPr>
           <a:xfrm>
-            <a:off x="965266" y="2028385"/>
-            <a:ext cx="7213467" cy="1823424"/>
+            <a:off x="0" y="2571750"/>
+            <a:ext cx="4440552" cy="1122485"/>
+          </a:xfrm>
+          <a:prstGeom prst="rect">
+            <a:avLst/>
+          </a:prstGeom>
+        </p:spPr>
+      </p:pic>
+      <p:pic>
+        <p:nvPicPr>
+          <p:cNvPr id="3" name="Picture 2" descr="A screenshot of a computer code&#10;&#10;Description automatically generated">
+            <a:extLst>
+              <a:ext uri="{FF2B5EF4-FFF2-40B4-BE49-F238E27FC236}">
+                <a16:creationId xmlns:a16="http://schemas.microsoft.com/office/drawing/2014/main" id="{25BA6FF5-1CDD-5461-AA7D-35DF4A147350}"/>
+              </a:ext>
+            </a:extLst>
+          </p:cNvPr>
+          <p:cNvPicPr>
+            <a:picLocks noChangeAspect="1"/>
+          </p:cNvPicPr>
+          <p:nvPr/>
+        </p:nvPicPr>
+        <p:blipFill>
+          <a:blip r:embed="rId4"/>
+          <a:stretch>
+            <a:fillRect/>
+          </a:stretch>
+        </p:blipFill>
+        <p:spPr>
+          <a:xfrm>
+            <a:off x="4354830" y="1502594"/>
+            <a:ext cx="4789170" cy="3021356"/>
           </a:xfrm>
           <a:prstGeom prst="rect">
             <a:avLst/>
